--- a/ToDoList 명세서.pptx
+++ b/ToDoList 명세서.pptx
@@ -108,6 +108,11 @@
       </a:defRPr>
     </a:lvl9pPr>
   </p:defaultTextStyle>
+  <p:extLst>
+    <p:ext uri="{EFAFB233-063F-42B5-8137-9DF3F51BA10A}">
+      <p15:sldGuideLst xmlns:p15="http://schemas.microsoft.com/office/powerpoint/2012/main"/>
+    </p:ext>
+  </p:extLst>
 </p:presentation>
 </file>
 
@@ -242,7 +247,7 @@
           <a:p>
             <a:fld id="{CBE4F8A8-C44D-45BE-8952-BF5B0E53BBC0}" type="datetimeFigureOut">
               <a:rPr lang="ko-KR" altLang="en-US" smtClean="0"/>
-              <a:t>2019-11-01</a:t>
+              <a:t>2019-11-05</a:t>
             </a:fld>
             <a:endParaRPr lang="ko-KR" altLang="en-US"/>
           </a:p>
@@ -412,7 +417,7 @@
           <a:p>
             <a:fld id="{CBE4F8A8-C44D-45BE-8952-BF5B0E53BBC0}" type="datetimeFigureOut">
               <a:rPr lang="ko-KR" altLang="en-US" smtClean="0"/>
-              <a:t>2019-11-01</a:t>
+              <a:t>2019-11-05</a:t>
             </a:fld>
             <a:endParaRPr lang="ko-KR" altLang="en-US"/>
           </a:p>
@@ -592,7 +597,7 @@
           <a:p>
             <a:fld id="{CBE4F8A8-C44D-45BE-8952-BF5B0E53BBC0}" type="datetimeFigureOut">
               <a:rPr lang="ko-KR" altLang="en-US" smtClean="0"/>
-              <a:t>2019-11-01</a:t>
+              <a:t>2019-11-05</a:t>
             </a:fld>
             <a:endParaRPr lang="ko-KR" altLang="en-US"/>
           </a:p>
@@ -762,7 +767,7 @@
           <a:p>
             <a:fld id="{CBE4F8A8-C44D-45BE-8952-BF5B0E53BBC0}" type="datetimeFigureOut">
               <a:rPr lang="ko-KR" altLang="en-US" smtClean="0"/>
-              <a:t>2019-11-01</a:t>
+              <a:t>2019-11-05</a:t>
             </a:fld>
             <a:endParaRPr lang="ko-KR" altLang="en-US"/>
           </a:p>
@@ -1008,7 +1013,7 @@
           <a:p>
             <a:fld id="{CBE4F8A8-C44D-45BE-8952-BF5B0E53BBC0}" type="datetimeFigureOut">
               <a:rPr lang="ko-KR" altLang="en-US" smtClean="0"/>
-              <a:t>2019-11-01</a:t>
+              <a:t>2019-11-05</a:t>
             </a:fld>
             <a:endParaRPr lang="ko-KR" altLang="en-US"/>
           </a:p>
@@ -1240,7 +1245,7 @@
           <a:p>
             <a:fld id="{CBE4F8A8-C44D-45BE-8952-BF5B0E53BBC0}" type="datetimeFigureOut">
               <a:rPr lang="ko-KR" altLang="en-US" smtClean="0"/>
-              <a:t>2019-11-01</a:t>
+              <a:t>2019-11-05</a:t>
             </a:fld>
             <a:endParaRPr lang="ko-KR" altLang="en-US"/>
           </a:p>
@@ -1607,7 +1612,7 @@
           <a:p>
             <a:fld id="{CBE4F8A8-C44D-45BE-8952-BF5B0E53BBC0}" type="datetimeFigureOut">
               <a:rPr lang="ko-KR" altLang="en-US" smtClean="0"/>
-              <a:t>2019-11-01</a:t>
+              <a:t>2019-11-05</a:t>
             </a:fld>
             <a:endParaRPr lang="ko-KR" altLang="en-US"/>
           </a:p>
@@ -1725,7 +1730,7 @@
           <a:p>
             <a:fld id="{CBE4F8A8-C44D-45BE-8952-BF5B0E53BBC0}" type="datetimeFigureOut">
               <a:rPr lang="ko-KR" altLang="en-US" smtClean="0"/>
-              <a:t>2019-11-01</a:t>
+              <a:t>2019-11-05</a:t>
             </a:fld>
             <a:endParaRPr lang="ko-KR" altLang="en-US"/>
           </a:p>
@@ -1820,7 +1825,7 @@
           <a:p>
             <a:fld id="{CBE4F8A8-C44D-45BE-8952-BF5B0E53BBC0}" type="datetimeFigureOut">
               <a:rPr lang="ko-KR" altLang="en-US" smtClean="0"/>
-              <a:t>2019-11-01</a:t>
+              <a:t>2019-11-05</a:t>
             </a:fld>
             <a:endParaRPr lang="ko-KR" altLang="en-US"/>
           </a:p>
@@ -2097,7 +2102,7 @@
           <a:p>
             <a:fld id="{CBE4F8A8-C44D-45BE-8952-BF5B0E53BBC0}" type="datetimeFigureOut">
               <a:rPr lang="ko-KR" altLang="en-US" smtClean="0"/>
-              <a:t>2019-11-01</a:t>
+              <a:t>2019-11-05</a:t>
             </a:fld>
             <a:endParaRPr lang="ko-KR" altLang="en-US"/>
           </a:p>
@@ -2350,7 +2355,7 @@
           <a:p>
             <a:fld id="{CBE4F8A8-C44D-45BE-8952-BF5B0E53BBC0}" type="datetimeFigureOut">
               <a:rPr lang="ko-KR" altLang="en-US" smtClean="0"/>
-              <a:t>2019-11-01</a:t>
+              <a:t>2019-11-05</a:t>
             </a:fld>
             <a:endParaRPr lang="ko-KR" altLang="en-US"/>
           </a:p>
@@ -2563,7 +2568,7 @@
           <a:p>
             <a:fld id="{CBE4F8A8-C44D-45BE-8952-BF5B0E53BBC0}" type="datetimeFigureOut">
               <a:rPr lang="ko-KR" altLang="en-US" smtClean="0"/>
-              <a:t>2019-11-01</a:t>
+              <a:t>2019-11-05</a:t>
             </a:fld>
             <a:endParaRPr lang="ko-KR" altLang="en-US"/>
           </a:p>
@@ -4266,6 +4271,235 @@
           </a:p>
         </p:txBody>
       </p:sp>
+      <p:sp>
+        <p:nvSpPr>
+          <p:cNvPr id="3" name="TextBox 2"/>
+          <p:cNvSpPr txBox="1"/>
+          <p:nvPr/>
+        </p:nvSpPr>
+        <p:spPr>
+          <a:xfrm>
+            <a:off x="0" y="161925"/>
+            <a:ext cx="2887329" cy="369332"/>
+          </a:xfrm>
+          <a:prstGeom prst="rect">
+            <a:avLst/>
+          </a:prstGeom>
+          <a:noFill/>
+        </p:spPr>
+        <p:txBody>
+          <a:bodyPr wrap="none" rtlCol="0">
+            <a:spAutoFit/>
+          </a:bodyPr>
+          <a:lstStyle/>
+          <a:p>
+            <a:r>
+              <a:rPr lang="ko-KR" altLang="en-US" dirty="0" smtClean="0"/>
+              <a:t>데이터베이스 </a:t>
+            </a:r>
+            <a:r>
+              <a:rPr lang="ko-KR" altLang="en-US" dirty="0" smtClean="0"/>
+              <a:t>생성 </a:t>
+            </a:r>
+            <a:r>
+              <a:rPr lang="ko-KR" altLang="en-US" dirty="0" err="1" smtClean="0"/>
+              <a:t>쿼리문</a:t>
+            </a:r>
+            <a:endParaRPr lang="ko-KR" altLang="en-US" dirty="0"/>
+          </a:p>
+        </p:txBody>
+      </p:sp>
+      <p:sp>
+        <p:nvSpPr>
+          <p:cNvPr id="4" name="TextBox 3"/>
+          <p:cNvSpPr txBox="1"/>
+          <p:nvPr/>
+        </p:nvSpPr>
+        <p:spPr>
+          <a:xfrm>
+            <a:off x="66675" y="885825"/>
+            <a:ext cx="5544338" cy="3416320"/>
+          </a:xfrm>
+          <a:prstGeom prst="rect">
+            <a:avLst/>
+          </a:prstGeom>
+          <a:noFill/>
+        </p:spPr>
+        <p:txBody>
+          <a:bodyPr wrap="none" rtlCol="0">
+            <a:spAutoFit/>
+          </a:bodyPr>
+          <a:lstStyle/>
+          <a:p>
+            <a:pPr marL="285750" indent="-285750">
+              <a:buFont typeface="Wingdings" panose="05000000000000000000" pitchFamily="2" charset="2"/>
+              <a:buChar char="u"/>
+            </a:pPr>
+            <a:r>
+              <a:rPr lang="en-US" altLang="ko-KR" dirty="0" smtClean="0"/>
+              <a:t>Database </a:t>
+            </a:r>
+            <a:r>
+              <a:rPr lang="ko-KR" altLang="en-US" dirty="0" smtClean="0"/>
+              <a:t>생성</a:t>
+            </a:r>
+            <a:r>
+              <a:rPr lang="en-US" altLang="ko-KR" dirty="0"/>
+              <a:t/>
+            </a:r>
+            <a:br>
+              <a:rPr lang="en-US" altLang="ko-KR" dirty="0"/>
+            </a:br>
+            <a:r>
+              <a:rPr lang="en-US" altLang="ko-KR" dirty="0"/>
+              <a:t>create database </a:t>
+            </a:r>
+            <a:r>
+              <a:rPr lang="en-US" altLang="ko-KR" dirty="0" err="1"/>
+              <a:t>toyproject</a:t>
+            </a:r>
+            <a:r>
+              <a:rPr lang="en-US" altLang="ko-KR" dirty="0" smtClean="0"/>
+              <a:t>;</a:t>
+            </a:r>
+            <a:br>
+              <a:rPr lang="en-US" altLang="ko-KR" dirty="0" smtClean="0"/>
+            </a:br>
+            <a:endParaRPr lang="en-US" altLang="ko-KR" dirty="0" smtClean="0"/>
+          </a:p>
+          <a:p>
+            <a:pPr marL="285750" indent="-285750">
+              <a:buFont typeface="Wingdings" panose="05000000000000000000" pitchFamily="2" charset="2"/>
+              <a:buChar char="u"/>
+            </a:pPr>
+            <a:r>
+              <a:rPr lang="en-US" altLang="ko-KR" dirty="0" smtClean="0"/>
+              <a:t>Table </a:t>
+            </a:r>
+            <a:r>
+              <a:rPr lang="ko-KR" altLang="en-US" dirty="0" smtClean="0"/>
+              <a:t>생성</a:t>
+            </a:r>
+            <a:r>
+              <a:rPr lang="en-US" altLang="ko-KR" dirty="0" smtClean="0"/>
+              <a:t/>
+            </a:r>
+            <a:br>
+              <a:rPr lang="en-US" altLang="ko-KR" dirty="0" smtClean="0"/>
+            </a:br>
+            <a:r>
+              <a:rPr lang="en-US" altLang="ko-KR" dirty="0" smtClean="0"/>
+              <a:t>create table </a:t>
+            </a:r>
+            <a:r>
+              <a:rPr lang="en-US" altLang="ko-KR" dirty="0" err="1" smtClean="0"/>
+              <a:t>todo</a:t>
+            </a:r>
+            <a:r>
+              <a:rPr lang="en-US" altLang="ko-KR" dirty="0" smtClean="0"/>
+              <a:t> (</a:t>
+            </a:r>
+            <a:br>
+              <a:rPr lang="en-US" altLang="ko-KR" dirty="0" smtClean="0"/>
+            </a:br>
+            <a:r>
+              <a:rPr lang="en-US" altLang="ko-KR" dirty="0" smtClean="0"/>
+              <a:t>	</a:t>
+            </a:r>
+            <a:r>
+              <a:rPr lang="en-US" altLang="ko-KR" dirty="0" err="1" smtClean="0"/>
+              <a:t>seq</a:t>
+            </a:r>
+            <a:r>
+              <a:rPr lang="en-US" altLang="ko-KR" dirty="0" smtClean="0"/>
+              <a:t> </a:t>
+            </a:r>
+            <a:r>
+              <a:rPr lang="en-US" altLang="ko-KR" dirty="0" err="1" smtClean="0"/>
+              <a:t>int</a:t>
+            </a:r>
+            <a:r>
+              <a:rPr lang="en-US" altLang="ko-KR" dirty="0" smtClean="0"/>
+              <a:t> </a:t>
+            </a:r>
+            <a:r>
+              <a:rPr lang="en-US" altLang="ko-KR" dirty="0" err="1" smtClean="0"/>
+              <a:t>auto_increment</a:t>
+            </a:r>
+            <a:r>
+              <a:rPr lang="en-US" altLang="ko-KR" dirty="0" smtClean="0"/>
+              <a:t> primary key,</a:t>
+            </a:r>
+            <a:br>
+              <a:rPr lang="en-US" altLang="ko-KR" dirty="0" smtClean="0"/>
+            </a:br>
+            <a:r>
+              <a:rPr lang="en-US" altLang="ko-KR" dirty="0" smtClean="0"/>
+              <a:t>	title varchar(40) not null,</a:t>
+            </a:r>
+            <a:br>
+              <a:rPr lang="en-US" altLang="ko-KR" dirty="0" smtClean="0"/>
+            </a:br>
+            <a:r>
+              <a:rPr lang="en-US" altLang="ko-KR" dirty="0" smtClean="0"/>
+              <a:t>	content varchar(200) not null,</a:t>
+            </a:r>
+            <a:br>
+              <a:rPr lang="en-US" altLang="ko-KR" dirty="0" smtClean="0"/>
+            </a:br>
+            <a:r>
+              <a:rPr lang="en-US" altLang="ko-KR" dirty="0" smtClean="0"/>
+              <a:t>	date </a:t>
+            </a:r>
+            <a:r>
+              <a:rPr lang="en-US" altLang="ko-KR" dirty="0" err="1" smtClean="0"/>
+              <a:t>datetime</a:t>
+            </a:r>
+            <a:r>
+              <a:rPr lang="en-US" altLang="ko-KR" dirty="0" smtClean="0"/>
+              <a:t> default </a:t>
+            </a:r>
+            <a:r>
+              <a:rPr lang="en-US" altLang="ko-KR" dirty="0" err="1" smtClean="0"/>
+              <a:t>current_timestamp</a:t>
+            </a:r>
+            <a:r>
+              <a:rPr lang="en-US" altLang="ko-KR" dirty="0" smtClean="0"/>
+              <a:t>,</a:t>
+            </a:r>
+            <a:br>
+              <a:rPr lang="en-US" altLang="ko-KR" dirty="0" smtClean="0"/>
+            </a:br>
+            <a:r>
+              <a:rPr lang="en-US" altLang="ko-KR" dirty="0" smtClean="0"/>
+              <a:t>	priority Boolean not null,</a:t>
+            </a:r>
+            <a:br>
+              <a:rPr lang="en-US" altLang="ko-KR" dirty="0" smtClean="0"/>
+            </a:br>
+            <a:r>
+              <a:rPr lang="en-US" altLang="ko-KR" dirty="0" smtClean="0"/>
+              <a:t>	type </a:t>
+            </a:r>
+            <a:r>
+              <a:rPr lang="en-US" altLang="ko-KR" dirty="0" err="1" smtClean="0"/>
+              <a:t>int</a:t>
+            </a:r>
+            <a:r>
+              <a:rPr lang="en-US" altLang="ko-KR" dirty="0" smtClean="0"/>
+              <a:t> default 1</a:t>
+            </a:r>
+            <a:br>
+              <a:rPr lang="en-US" altLang="ko-KR" dirty="0" smtClean="0"/>
+            </a:br>
+            <a:r>
+              <a:rPr lang="en-US" altLang="ko-KR" dirty="0" smtClean="0"/>
+              <a:t>);</a:t>
+            </a:r>
+            <a:endParaRPr lang="en-US" altLang="ko-KR" dirty="0" smtClean="0"/>
+          </a:p>
+        </p:txBody>
+      </p:sp>
     </p:spTree>
     <p:extLst>
       <p:ext uri="{BB962C8B-B14F-4D97-AF65-F5344CB8AC3E}">
